--- a/repo/1110.pptx
+++ b/repo/1110.pptx
@@ -5,33 +5,34 @@
     <p:sldMasterId id="2147483648" r:id="rId1"/>
   </p:sldMasterIdLst>
   <p:sldIdLst>
-    <p:sldId id="256" r:id="rId2"/>
-    <p:sldId id="276" r:id="rId3"/>
-    <p:sldId id="301" r:id="rId4"/>
-    <p:sldId id="299" r:id="rId5"/>
-    <p:sldId id="262" r:id="rId6"/>
-    <p:sldId id="258" r:id="rId7"/>
-    <p:sldId id="279" r:id="rId8"/>
-    <p:sldId id="261" r:id="rId9"/>
-    <p:sldId id="278" r:id="rId10"/>
-    <p:sldId id="277" r:id="rId11"/>
-    <p:sldId id="259" r:id="rId12"/>
-    <p:sldId id="260" r:id="rId13"/>
-    <p:sldId id="280" r:id="rId14"/>
-    <p:sldId id="281" r:id="rId15"/>
-    <p:sldId id="282" r:id="rId16"/>
-    <p:sldId id="297" r:id="rId17"/>
-    <p:sldId id="298" r:id="rId18"/>
-    <p:sldId id="300" r:id="rId19"/>
-    <p:sldId id="288" r:id="rId20"/>
-    <p:sldId id="289" r:id="rId21"/>
-    <p:sldId id="290" r:id="rId22"/>
-    <p:sldId id="291" r:id="rId23"/>
-    <p:sldId id="292" r:id="rId24"/>
-    <p:sldId id="293" r:id="rId25"/>
-    <p:sldId id="294" r:id="rId26"/>
-    <p:sldId id="295" r:id="rId27"/>
-    <p:sldId id="296" r:id="rId28"/>
+    <p:sldId id="256" r:id="rId3"/>
+    <p:sldId id="276" r:id="rId4"/>
+    <p:sldId id="301" r:id="rId5"/>
+    <p:sldId id="299" r:id="rId6"/>
+    <p:sldId id="262" r:id="rId7"/>
+    <p:sldId id="258" r:id="rId8"/>
+    <p:sldId id="279" r:id="rId9"/>
+    <p:sldId id="261" r:id="rId10"/>
+    <p:sldId id="278" r:id="rId11"/>
+    <p:sldId id="277" r:id="rId12"/>
+    <p:sldId id="259" r:id="rId13"/>
+    <p:sldId id="260" r:id="rId14"/>
+    <p:sldId id="280" r:id="rId15"/>
+    <p:sldId id="281" r:id="rId16"/>
+    <p:sldId id="282" r:id="rId17"/>
+    <p:sldId id="297" r:id="rId18"/>
+    <p:sldId id="298" r:id="rId19"/>
+    <p:sldId id="300" r:id="rId20"/>
+    <p:sldId id="288" r:id="rId21"/>
+    <p:sldId id="289" r:id="rId22"/>
+    <p:sldId id="290" r:id="rId23"/>
+    <p:sldId id="291" r:id="rId24"/>
+    <p:sldId id="292" r:id="rId25"/>
+    <p:sldId id="293" r:id="rId26"/>
+    <p:sldId id="294" r:id="rId27"/>
+    <p:sldId id="295" r:id="rId28"/>
+    <p:sldId id="296" r:id="rId29"/>
+    <p:sldId id="326" r:id="rId30"/>
   </p:sldIdLst>
   <p:sldSz cx="12192000" cy="6858000"/>
   <p:notesSz cx="6858000" cy="9144000"/>
@@ -130,11 +131,6 @@
       </a:defRPr>
     </a:lvl9pPr>
   </p:defaultTextStyle>
-  <p:extLst>
-    <p:ext uri="{EFAFB233-063F-42B5-8137-9DF3F51BA10A}">
-      <p15:sldGuideLst xmlns:p15="http://schemas.microsoft.com/office/powerpoint/2012/main"/>
-    </p:ext>
-  </p:extLst>
 </p:presentation>
 </file>
 
@@ -183,6 +179,7 @@
               <a:rPr lang="zh-CN" altLang="en-US"/>
               <a:t>单击此处编辑母版标题样式</a:t>
             </a:r>
+            <a:endParaRPr lang="zh-CN" altLang="en-US"/>
           </a:p>
         </p:txBody>
       </p:sp>
@@ -247,6 +244,7 @@
               <a:rPr lang="zh-CN" altLang="en-US"/>
               <a:t>单击此处编辑母版副标题样式</a:t>
             </a:r>
+            <a:endParaRPr lang="zh-CN" altLang="en-US"/>
           </a:p>
         </p:txBody>
       </p:sp>
@@ -267,7 +265,6 @@
           <a:p>
             <a:fld id="{63B4F543-D297-41A7-A651-3A1596F97693}" type="datetimeFigureOut">
               <a:rPr lang="zh-CN" altLang="en-US" smtClean="0"/>
-              <a:t>2022/11/10</a:t>
             </a:fld>
             <a:endParaRPr lang="zh-CN" altLang="en-US"/>
           </a:p>
@@ -309,7 +306,6 @@
           <a:p>
             <a:fld id="{B4C005AD-D920-436F-910E-027CF28B6C01}" type="slidenum">
               <a:rPr lang="zh-CN" altLang="en-US" smtClean="0"/>
-              <a:t>‹#›</a:t>
             </a:fld>
             <a:endParaRPr lang="zh-CN" altLang="en-US"/>
           </a:p>
@@ -359,6 +355,7 @@
               <a:rPr lang="zh-CN" altLang="en-US"/>
               <a:t>单击此处编辑母版标题样式</a:t>
             </a:r>
+            <a:endParaRPr lang="zh-CN" altLang="en-US"/>
           </a:p>
         </p:txBody>
       </p:sp>
@@ -382,6 +379,7 @@
               <a:rPr lang="zh-CN" altLang="en-US"/>
               <a:t>编辑母版文本样式</a:t>
             </a:r>
+            <a:endParaRPr lang="zh-CN" altLang="en-US"/>
           </a:p>
           <a:p>
             <a:pPr lvl="1"/>
@@ -389,6 +387,7 @@
               <a:rPr lang="zh-CN" altLang="en-US"/>
               <a:t>第二级</a:t>
             </a:r>
+            <a:endParaRPr lang="zh-CN" altLang="en-US"/>
           </a:p>
           <a:p>
             <a:pPr lvl="2"/>
@@ -396,6 +395,7 @@
               <a:rPr lang="zh-CN" altLang="en-US"/>
               <a:t>第三级</a:t>
             </a:r>
+            <a:endParaRPr lang="zh-CN" altLang="en-US"/>
           </a:p>
           <a:p>
             <a:pPr lvl="3"/>
@@ -403,6 +403,7 @@
               <a:rPr lang="zh-CN" altLang="en-US"/>
               <a:t>第四级</a:t>
             </a:r>
+            <a:endParaRPr lang="zh-CN" altLang="en-US"/>
           </a:p>
           <a:p>
             <a:pPr lvl="4"/>
@@ -410,6 +411,7 @@
               <a:rPr lang="zh-CN" altLang="en-US"/>
               <a:t>第五级</a:t>
             </a:r>
+            <a:endParaRPr lang="zh-CN" altLang="en-US"/>
           </a:p>
         </p:txBody>
       </p:sp>
@@ -430,7 +432,6 @@
           <a:p>
             <a:fld id="{63B4F543-D297-41A7-A651-3A1596F97693}" type="datetimeFigureOut">
               <a:rPr lang="zh-CN" altLang="en-US" smtClean="0"/>
-              <a:t>2022/11/10</a:t>
             </a:fld>
             <a:endParaRPr lang="zh-CN" altLang="en-US"/>
           </a:p>
@@ -472,7 +473,6 @@
           <a:p>
             <a:fld id="{B4C005AD-D920-436F-910E-027CF28B6C01}" type="slidenum">
               <a:rPr lang="zh-CN" altLang="en-US" smtClean="0"/>
-              <a:t>‹#›</a:t>
             </a:fld>
             <a:endParaRPr lang="zh-CN" altLang="en-US"/>
           </a:p>
@@ -527,6 +527,7 @@
               <a:rPr lang="zh-CN" altLang="en-US"/>
               <a:t>单击此处编辑母版标题样式</a:t>
             </a:r>
+            <a:endParaRPr lang="zh-CN" altLang="en-US"/>
           </a:p>
         </p:txBody>
       </p:sp>
@@ -555,6 +556,7 @@
               <a:rPr lang="zh-CN" altLang="en-US"/>
               <a:t>编辑母版文本样式</a:t>
             </a:r>
+            <a:endParaRPr lang="zh-CN" altLang="en-US"/>
           </a:p>
           <a:p>
             <a:pPr lvl="1"/>
@@ -562,6 +564,7 @@
               <a:rPr lang="zh-CN" altLang="en-US"/>
               <a:t>第二级</a:t>
             </a:r>
+            <a:endParaRPr lang="zh-CN" altLang="en-US"/>
           </a:p>
           <a:p>
             <a:pPr lvl="2"/>
@@ -569,6 +572,7 @@
               <a:rPr lang="zh-CN" altLang="en-US"/>
               <a:t>第三级</a:t>
             </a:r>
+            <a:endParaRPr lang="zh-CN" altLang="en-US"/>
           </a:p>
           <a:p>
             <a:pPr lvl="3"/>
@@ -576,6 +580,7 @@
               <a:rPr lang="zh-CN" altLang="en-US"/>
               <a:t>第四级</a:t>
             </a:r>
+            <a:endParaRPr lang="zh-CN" altLang="en-US"/>
           </a:p>
           <a:p>
             <a:pPr lvl="4"/>
@@ -583,6 +588,7 @@
               <a:rPr lang="zh-CN" altLang="en-US"/>
               <a:t>第五级</a:t>
             </a:r>
+            <a:endParaRPr lang="zh-CN" altLang="en-US"/>
           </a:p>
         </p:txBody>
       </p:sp>
@@ -603,7 +609,6 @@
           <a:p>
             <a:fld id="{63B4F543-D297-41A7-A651-3A1596F97693}" type="datetimeFigureOut">
               <a:rPr lang="zh-CN" altLang="en-US" smtClean="0"/>
-              <a:t>2022/11/10</a:t>
             </a:fld>
             <a:endParaRPr lang="zh-CN" altLang="en-US"/>
           </a:p>
@@ -645,7 +650,6 @@
           <a:p>
             <a:fld id="{B4C005AD-D920-436F-910E-027CF28B6C01}" type="slidenum">
               <a:rPr lang="zh-CN" altLang="en-US" smtClean="0"/>
-              <a:t>‹#›</a:t>
             </a:fld>
             <a:endParaRPr lang="zh-CN" altLang="en-US"/>
           </a:p>
@@ -695,6 +699,7 @@
               <a:rPr lang="zh-CN" altLang="en-US"/>
               <a:t>单击此处编辑母版标题样式</a:t>
             </a:r>
+            <a:endParaRPr lang="zh-CN" altLang="en-US"/>
           </a:p>
         </p:txBody>
       </p:sp>
@@ -718,6 +723,7 @@
               <a:rPr lang="zh-CN" altLang="en-US"/>
               <a:t>编辑母版文本样式</a:t>
             </a:r>
+            <a:endParaRPr lang="zh-CN" altLang="en-US"/>
           </a:p>
           <a:p>
             <a:pPr lvl="1"/>
@@ -725,6 +731,7 @@
               <a:rPr lang="zh-CN" altLang="en-US"/>
               <a:t>第二级</a:t>
             </a:r>
+            <a:endParaRPr lang="zh-CN" altLang="en-US"/>
           </a:p>
           <a:p>
             <a:pPr lvl="2"/>
@@ -732,6 +739,7 @@
               <a:rPr lang="zh-CN" altLang="en-US"/>
               <a:t>第三级</a:t>
             </a:r>
+            <a:endParaRPr lang="zh-CN" altLang="en-US"/>
           </a:p>
           <a:p>
             <a:pPr lvl="3"/>
@@ -739,6 +747,7 @@
               <a:rPr lang="zh-CN" altLang="en-US"/>
               <a:t>第四级</a:t>
             </a:r>
+            <a:endParaRPr lang="zh-CN" altLang="en-US"/>
           </a:p>
           <a:p>
             <a:pPr lvl="4"/>
@@ -746,6 +755,7 @@
               <a:rPr lang="zh-CN" altLang="en-US"/>
               <a:t>第五级</a:t>
             </a:r>
+            <a:endParaRPr lang="zh-CN" altLang="en-US"/>
           </a:p>
         </p:txBody>
       </p:sp>
@@ -766,7 +776,6 @@
           <a:p>
             <a:fld id="{63B4F543-D297-41A7-A651-3A1596F97693}" type="datetimeFigureOut">
               <a:rPr lang="zh-CN" altLang="en-US" smtClean="0"/>
-              <a:t>2022/11/10</a:t>
             </a:fld>
             <a:endParaRPr lang="zh-CN" altLang="en-US"/>
           </a:p>
@@ -808,7 +817,6 @@
           <a:p>
             <a:fld id="{B4C005AD-D920-436F-910E-027CF28B6C01}" type="slidenum">
               <a:rPr lang="zh-CN" altLang="en-US" smtClean="0"/>
-              <a:t>‹#›</a:t>
             </a:fld>
             <a:endParaRPr lang="zh-CN" altLang="en-US"/>
           </a:p>
@@ -867,6 +875,7 @@
               <a:rPr lang="zh-CN" altLang="en-US"/>
               <a:t>单击此处编辑母版标题样式</a:t>
             </a:r>
+            <a:endParaRPr lang="zh-CN" altLang="en-US"/>
           </a:p>
         </p:txBody>
       </p:sp>
@@ -986,6 +995,7 @@
               <a:rPr lang="zh-CN" altLang="en-US"/>
               <a:t>编辑母版文本样式</a:t>
             </a:r>
+            <a:endParaRPr lang="zh-CN" altLang="en-US"/>
           </a:p>
         </p:txBody>
       </p:sp>
@@ -1006,7 +1016,6 @@
           <a:p>
             <a:fld id="{63B4F543-D297-41A7-A651-3A1596F97693}" type="datetimeFigureOut">
               <a:rPr lang="zh-CN" altLang="en-US" smtClean="0"/>
-              <a:t>2022/11/10</a:t>
             </a:fld>
             <a:endParaRPr lang="zh-CN" altLang="en-US"/>
           </a:p>
@@ -1048,7 +1057,6 @@
           <a:p>
             <a:fld id="{B4C005AD-D920-436F-910E-027CF28B6C01}" type="slidenum">
               <a:rPr lang="zh-CN" altLang="en-US" smtClean="0"/>
-              <a:t>‹#›</a:t>
             </a:fld>
             <a:endParaRPr lang="zh-CN" altLang="en-US"/>
           </a:p>
@@ -1098,6 +1106,7 @@
               <a:rPr lang="zh-CN" altLang="en-US"/>
               <a:t>单击此处编辑母版标题样式</a:t>
             </a:r>
+            <a:endParaRPr lang="zh-CN" altLang="en-US"/>
           </a:p>
         </p:txBody>
       </p:sp>
@@ -1126,6 +1135,7 @@
               <a:rPr lang="zh-CN" altLang="en-US"/>
               <a:t>编辑母版文本样式</a:t>
             </a:r>
+            <a:endParaRPr lang="zh-CN" altLang="en-US"/>
           </a:p>
           <a:p>
             <a:pPr lvl="1"/>
@@ -1133,6 +1143,7 @@
               <a:rPr lang="zh-CN" altLang="en-US"/>
               <a:t>第二级</a:t>
             </a:r>
+            <a:endParaRPr lang="zh-CN" altLang="en-US"/>
           </a:p>
           <a:p>
             <a:pPr lvl="2"/>
@@ -1140,6 +1151,7 @@
               <a:rPr lang="zh-CN" altLang="en-US"/>
               <a:t>第三级</a:t>
             </a:r>
+            <a:endParaRPr lang="zh-CN" altLang="en-US"/>
           </a:p>
           <a:p>
             <a:pPr lvl="3"/>
@@ -1147,6 +1159,7 @@
               <a:rPr lang="zh-CN" altLang="en-US"/>
               <a:t>第四级</a:t>
             </a:r>
+            <a:endParaRPr lang="zh-CN" altLang="en-US"/>
           </a:p>
           <a:p>
             <a:pPr lvl="4"/>
@@ -1154,6 +1167,7 @@
               <a:rPr lang="zh-CN" altLang="en-US"/>
               <a:t>第五级</a:t>
             </a:r>
+            <a:endParaRPr lang="zh-CN" altLang="en-US"/>
           </a:p>
         </p:txBody>
       </p:sp>
@@ -1182,6 +1196,7 @@
               <a:rPr lang="zh-CN" altLang="en-US"/>
               <a:t>编辑母版文本样式</a:t>
             </a:r>
+            <a:endParaRPr lang="zh-CN" altLang="en-US"/>
           </a:p>
           <a:p>
             <a:pPr lvl="1"/>
@@ -1189,6 +1204,7 @@
               <a:rPr lang="zh-CN" altLang="en-US"/>
               <a:t>第二级</a:t>
             </a:r>
+            <a:endParaRPr lang="zh-CN" altLang="en-US"/>
           </a:p>
           <a:p>
             <a:pPr lvl="2"/>
@@ -1196,6 +1212,7 @@
               <a:rPr lang="zh-CN" altLang="en-US"/>
               <a:t>第三级</a:t>
             </a:r>
+            <a:endParaRPr lang="zh-CN" altLang="en-US"/>
           </a:p>
           <a:p>
             <a:pPr lvl="3"/>
@@ -1203,6 +1220,7 @@
               <a:rPr lang="zh-CN" altLang="en-US"/>
               <a:t>第四级</a:t>
             </a:r>
+            <a:endParaRPr lang="zh-CN" altLang="en-US"/>
           </a:p>
           <a:p>
             <a:pPr lvl="4"/>
@@ -1210,6 +1228,7 @@
               <a:rPr lang="zh-CN" altLang="en-US"/>
               <a:t>第五级</a:t>
             </a:r>
+            <a:endParaRPr lang="zh-CN" altLang="en-US"/>
           </a:p>
         </p:txBody>
       </p:sp>
@@ -1230,7 +1249,6 @@
           <a:p>
             <a:fld id="{63B4F543-D297-41A7-A651-3A1596F97693}" type="datetimeFigureOut">
               <a:rPr lang="zh-CN" altLang="en-US" smtClean="0"/>
-              <a:t>2022/11/10</a:t>
             </a:fld>
             <a:endParaRPr lang="zh-CN" altLang="en-US"/>
           </a:p>
@@ -1272,7 +1290,6 @@
           <a:p>
             <a:fld id="{B4C005AD-D920-436F-910E-027CF28B6C01}" type="slidenum">
               <a:rPr lang="zh-CN" altLang="en-US" smtClean="0"/>
-              <a:t>‹#›</a:t>
             </a:fld>
             <a:endParaRPr lang="zh-CN" altLang="en-US"/>
           </a:p>
@@ -1327,6 +1344,7 @@
               <a:rPr lang="zh-CN" altLang="en-US"/>
               <a:t>单击此处编辑母版标题样式</a:t>
             </a:r>
+            <a:endParaRPr lang="zh-CN" altLang="en-US"/>
           </a:p>
         </p:txBody>
       </p:sp>
@@ -1392,6 +1410,7 @@
               <a:rPr lang="zh-CN" altLang="en-US"/>
               <a:t>编辑母版文本样式</a:t>
             </a:r>
+            <a:endParaRPr lang="zh-CN" altLang="en-US"/>
           </a:p>
         </p:txBody>
       </p:sp>
@@ -1420,6 +1439,7 @@
               <a:rPr lang="zh-CN" altLang="en-US"/>
               <a:t>编辑母版文本样式</a:t>
             </a:r>
+            <a:endParaRPr lang="zh-CN" altLang="en-US"/>
           </a:p>
           <a:p>
             <a:pPr lvl="1"/>
@@ -1427,6 +1447,7 @@
               <a:rPr lang="zh-CN" altLang="en-US"/>
               <a:t>第二级</a:t>
             </a:r>
+            <a:endParaRPr lang="zh-CN" altLang="en-US"/>
           </a:p>
           <a:p>
             <a:pPr lvl="2"/>
@@ -1434,6 +1455,7 @@
               <a:rPr lang="zh-CN" altLang="en-US"/>
               <a:t>第三级</a:t>
             </a:r>
+            <a:endParaRPr lang="zh-CN" altLang="en-US"/>
           </a:p>
           <a:p>
             <a:pPr lvl="3"/>
@@ -1441,6 +1463,7 @@
               <a:rPr lang="zh-CN" altLang="en-US"/>
               <a:t>第四级</a:t>
             </a:r>
+            <a:endParaRPr lang="zh-CN" altLang="en-US"/>
           </a:p>
           <a:p>
             <a:pPr lvl="4"/>
@@ -1448,6 +1471,7 @@
               <a:rPr lang="zh-CN" altLang="en-US"/>
               <a:t>第五级</a:t>
             </a:r>
+            <a:endParaRPr lang="zh-CN" altLang="en-US"/>
           </a:p>
         </p:txBody>
       </p:sp>
@@ -1513,6 +1537,7 @@
               <a:rPr lang="zh-CN" altLang="en-US"/>
               <a:t>编辑母版文本样式</a:t>
             </a:r>
+            <a:endParaRPr lang="zh-CN" altLang="en-US"/>
           </a:p>
         </p:txBody>
       </p:sp>
@@ -1541,6 +1566,7 @@
               <a:rPr lang="zh-CN" altLang="en-US"/>
               <a:t>编辑母版文本样式</a:t>
             </a:r>
+            <a:endParaRPr lang="zh-CN" altLang="en-US"/>
           </a:p>
           <a:p>
             <a:pPr lvl="1"/>
@@ -1548,6 +1574,7 @@
               <a:rPr lang="zh-CN" altLang="en-US"/>
               <a:t>第二级</a:t>
             </a:r>
+            <a:endParaRPr lang="zh-CN" altLang="en-US"/>
           </a:p>
           <a:p>
             <a:pPr lvl="2"/>
@@ -1555,6 +1582,7 @@
               <a:rPr lang="zh-CN" altLang="en-US"/>
               <a:t>第三级</a:t>
             </a:r>
+            <a:endParaRPr lang="zh-CN" altLang="en-US"/>
           </a:p>
           <a:p>
             <a:pPr lvl="3"/>
@@ -1562,6 +1590,7 @@
               <a:rPr lang="zh-CN" altLang="en-US"/>
               <a:t>第四级</a:t>
             </a:r>
+            <a:endParaRPr lang="zh-CN" altLang="en-US"/>
           </a:p>
           <a:p>
             <a:pPr lvl="4"/>
@@ -1569,6 +1598,7 @@
               <a:rPr lang="zh-CN" altLang="en-US"/>
               <a:t>第五级</a:t>
             </a:r>
+            <a:endParaRPr lang="zh-CN" altLang="en-US"/>
           </a:p>
         </p:txBody>
       </p:sp>
@@ -1589,7 +1619,6 @@
           <a:p>
             <a:fld id="{63B4F543-D297-41A7-A651-3A1596F97693}" type="datetimeFigureOut">
               <a:rPr lang="zh-CN" altLang="en-US" smtClean="0"/>
-              <a:t>2022/11/10</a:t>
             </a:fld>
             <a:endParaRPr lang="zh-CN" altLang="en-US"/>
           </a:p>
@@ -1631,7 +1660,6 @@
           <a:p>
             <a:fld id="{B4C005AD-D920-436F-910E-027CF28B6C01}" type="slidenum">
               <a:rPr lang="zh-CN" altLang="en-US" smtClean="0"/>
-              <a:t>‹#›</a:t>
             </a:fld>
             <a:endParaRPr lang="zh-CN" altLang="en-US"/>
           </a:p>
@@ -1681,6 +1709,7 @@
               <a:rPr lang="zh-CN" altLang="en-US"/>
               <a:t>单击此处编辑母版标题样式</a:t>
             </a:r>
+            <a:endParaRPr lang="zh-CN" altLang="en-US"/>
           </a:p>
         </p:txBody>
       </p:sp>
@@ -1701,7 +1730,6 @@
           <a:p>
             <a:fld id="{63B4F543-D297-41A7-A651-3A1596F97693}" type="datetimeFigureOut">
               <a:rPr lang="zh-CN" altLang="en-US" smtClean="0"/>
-              <a:t>2022/11/10</a:t>
             </a:fld>
             <a:endParaRPr lang="zh-CN" altLang="en-US"/>
           </a:p>
@@ -1743,7 +1771,6 @@
           <a:p>
             <a:fld id="{B4C005AD-D920-436F-910E-027CF28B6C01}" type="slidenum">
               <a:rPr lang="zh-CN" altLang="en-US" smtClean="0"/>
-              <a:t>‹#›</a:t>
             </a:fld>
             <a:endParaRPr lang="zh-CN" altLang="en-US"/>
           </a:p>
@@ -1791,7 +1818,6 @@
           <a:p>
             <a:fld id="{63B4F543-D297-41A7-A651-3A1596F97693}" type="datetimeFigureOut">
               <a:rPr lang="zh-CN" altLang="en-US" smtClean="0"/>
-              <a:t>2022/11/10</a:t>
             </a:fld>
             <a:endParaRPr lang="zh-CN" altLang="en-US"/>
           </a:p>
@@ -1833,7 +1859,6 @@
           <a:p>
             <a:fld id="{B4C005AD-D920-436F-910E-027CF28B6C01}" type="slidenum">
               <a:rPr lang="zh-CN" altLang="en-US" smtClean="0"/>
-              <a:t>‹#›</a:t>
             </a:fld>
             <a:endParaRPr lang="zh-CN" altLang="en-US"/>
           </a:p>
@@ -1892,6 +1917,7 @@
               <a:rPr lang="zh-CN" altLang="en-US"/>
               <a:t>单击此处编辑母版标题样式</a:t>
             </a:r>
+            <a:endParaRPr lang="zh-CN" altLang="en-US"/>
           </a:p>
         </p:txBody>
       </p:sp>
@@ -1948,6 +1974,7 @@
               <a:rPr lang="zh-CN" altLang="en-US"/>
               <a:t>编辑母版文本样式</a:t>
             </a:r>
+            <a:endParaRPr lang="zh-CN" altLang="en-US"/>
           </a:p>
           <a:p>
             <a:pPr lvl="1"/>
@@ -1955,6 +1982,7 @@
               <a:rPr lang="zh-CN" altLang="en-US"/>
               <a:t>第二级</a:t>
             </a:r>
+            <a:endParaRPr lang="zh-CN" altLang="en-US"/>
           </a:p>
           <a:p>
             <a:pPr lvl="2"/>
@@ -1962,6 +1990,7 @@
               <a:rPr lang="zh-CN" altLang="en-US"/>
               <a:t>第三级</a:t>
             </a:r>
+            <a:endParaRPr lang="zh-CN" altLang="en-US"/>
           </a:p>
           <a:p>
             <a:pPr lvl="3"/>
@@ -1969,6 +1998,7 @@
               <a:rPr lang="zh-CN" altLang="en-US"/>
               <a:t>第四级</a:t>
             </a:r>
+            <a:endParaRPr lang="zh-CN" altLang="en-US"/>
           </a:p>
           <a:p>
             <a:pPr lvl="4"/>
@@ -1976,6 +2006,7 @@
               <a:rPr lang="zh-CN" altLang="en-US"/>
               <a:t>第五级</a:t>
             </a:r>
+            <a:endParaRPr lang="zh-CN" altLang="en-US"/>
           </a:p>
         </p:txBody>
       </p:sp>
@@ -2041,6 +2072,7 @@
               <a:rPr lang="zh-CN" altLang="en-US"/>
               <a:t>编辑母版文本样式</a:t>
             </a:r>
+            <a:endParaRPr lang="zh-CN" altLang="en-US"/>
           </a:p>
         </p:txBody>
       </p:sp>
@@ -2061,7 +2093,6 @@
           <a:p>
             <a:fld id="{63B4F543-D297-41A7-A651-3A1596F97693}" type="datetimeFigureOut">
               <a:rPr lang="zh-CN" altLang="en-US" smtClean="0"/>
-              <a:t>2022/11/10</a:t>
             </a:fld>
             <a:endParaRPr lang="zh-CN" altLang="en-US"/>
           </a:p>
@@ -2103,7 +2134,6 @@
           <a:p>
             <a:fld id="{B4C005AD-D920-436F-910E-027CF28B6C01}" type="slidenum">
               <a:rPr lang="zh-CN" altLang="en-US" smtClean="0"/>
-              <a:t>‹#›</a:t>
             </a:fld>
             <a:endParaRPr lang="zh-CN" altLang="en-US"/>
           </a:p>
@@ -2162,6 +2192,7 @@
               <a:rPr lang="zh-CN" altLang="en-US"/>
               <a:t>单击此处编辑母版标题样式</a:t>
             </a:r>
+            <a:endParaRPr lang="zh-CN" altLang="en-US"/>
           </a:p>
         </p:txBody>
       </p:sp>
@@ -2288,6 +2319,7 @@
               <a:rPr lang="zh-CN" altLang="en-US"/>
               <a:t>编辑母版文本样式</a:t>
             </a:r>
+            <a:endParaRPr lang="zh-CN" altLang="en-US"/>
           </a:p>
         </p:txBody>
       </p:sp>
@@ -2308,7 +2340,6 @@
           <a:p>
             <a:fld id="{63B4F543-D297-41A7-A651-3A1596F97693}" type="datetimeFigureOut">
               <a:rPr lang="zh-CN" altLang="en-US" smtClean="0"/>
-              <a:t>2022/11/10</a:t>
             </a:fld>
             <a:endParaRPr lang="zh-CN" altLang="en-US"/>
           </a:p>
@@ -2350,7 +2381,6 @@
           <a:p>
             <a:fld id="{B4C005AD-D920-436F-910E-027CF28B6C01}" type="slidenum">
               <a:rPr lang="zh-CN" altLang="en-US" smtClean="0"/>
-              <a:t>‹#›</a:t>
             </a:fld>
             <a:endParaRPr lang="zh-CN" altLang="en-US"/>
           </a:p>
@@ -2415,6 +2445,7 @@
               <a:rPr lang="zh-CN" altLang="en-US"/>
               <a:t>单击此处编辑母版标题样式</a:t>
             </a:r>
+            <a:endParaRPr lang="zh-CN" altLang="en-US"/>
           </a:p>
         </p:txBody>
       </p:sp>
@@ -2448,6 +2479,7 @@
               <a:rPr lang="zh-CN" altLang="en-US"/>
               <a:t>编辑母版文本样式</a:t>
             </a:r>
+            <a:endParaRPr lang="zh-CN" altLang="en-US"/>
           </a:p>
           <a:p>
             <a:pPr lvl="1"/>
@@ -2455,6 +2487,7 @@
               <a:rPr lang="zh-CN" altLang="en-US"/>
               <a:t>第二级</a:t>
             </a:r>
+            <a:endParaRPr lang="zh-CN" altLang="en-US"/>
           </a:p>
           <a:p>
             <a:pPr lvl="2"/>
@@ -2462,6 +2495,7 @@
               <a:rPr lang="zh-CN" altLang="en-US"/>
               <a:t>第三级</a:t>
             </a:r>
+            <a:endParaRPr lang="zh-CN" altLang="en-US"/>
           </a:p>
           <a:p>
             <a:pPr lvl="3"/>
@@ -2469,6 +2503,7 @@
               <a:rPr lang="zh-CN" altLang="en-US"/>
               <a:t>第四级</a:t>
             </a:r>
+            <a:endParaRPr lang="zh-CN" altLang="en-US"/>
           </a:p>
           <a:p>
             <a:pPr lvl="4"/>
@@ -2476,6 +2511,7 @@
               <a:rPr lang="zh-CN" altLang="en-US"/>
               <a:t>第五级</a:t>
             </a:r>
+            <a:endParaRPr lang="zh-CN" altLang="en-US"/>
           </a:p>
         </p:txBody>
       </p:sp>
@@ -2514,7 +2550,6 @@
           <a:p>
             <a:fld id="{63B4F543-D297-41A7-A651-3A1596F97693}" type="datetimeFigureOut">
               <a:rPr lang="zh-CN" altLang="en-US" smtClean="0"/>
-              <a:t>2022/11/10</a:t>
             </a:fld>
             <a:endParaRPr lang="zh-CN" altLang="en-US"/>
           </a:p>
@@ -2592,7 +2627,6 @@
           <a:p>
             <a:fld id="{B4C005AD-D920-436F-910E-027CF28B6C01}" type="slidenum">
               <a:rPr lang="zh-CN" altLang="en-US" smtClean="0"/>
-              <a:t>‹#›</a:t>
             </a:fld>
             <a:endParaRPr lang="zh-CN" altLang="en-US"/>
           </a:p>
@@ -2937,6 +2971,7 @@
               <a:rPr lang="zh-CN" altLang="en-US" dirty="0"/>
               <a:t>模块拆分</a:t>
             </a:r>
+            <a:endParaRPr lang="zh-CN" altLang="en-US" dirty="0"/>
           </a:p>
         </p:txBody>
       </p:sp>
@@ -3158,6 +3193,11 @@
               </a:rPr>
               <a:t>segments:</a:t>
             </a:r>
+            <a:endParaRPr lang="en-US" altLang="zh-CN" sz="2800" b="1" dirty="0">
+              <a:solidFill>
+                <a:srgbClr val="00B0F0"/>
+              </a:solidFill>
+            </a:endParaRPr>
           </a:p>
           <a:p>
             <a:r>
@@ -3388,6 +3428,13 @@
               </a:rPr>
               <a:t>,</a:t>
             </a:r>
+            <a:endParaRPr lang="en-US" altLang="zh-CN" sz="2400" b="1" dirty="0">
+              <a:solidFill>
+                <a:schemeClr val="accent2">
+                  <a:lumMod val="75000"/>
+                </a:schemeClr>
+              </a:solidFill>
+            </a:endParaRPr>
           </a:p>
           <a:p>
             <a:r>
@@ -3420,6 +3467,13 @@
               </a:rPr>
               <a:t>,</a:t>
             </a:r>
+            <a:endParaRPr lang="en-US" altLang="zh-CN" sz="2400" b="1" dirty="0">
+              <a:solidFill>
+                <a:schemeClr val="accent2">
+                  <a:lumMod val="75000"/>
+                </a:schemeClr>
+              </a:solidFill>
+            </a:endParaRPr>
           </a:p>
           <a:p>
             <a:r>
@@ -3570,6 +3624,7 @@
               <a:rPr lang="zh-CN" altLang="en-US" dirty="0"/>
               <a:t>调用者提供</a:t>
             </a:r>
+            <a:endParaRPr lang="zh-CN" altLang="en-US" dirty="0"/>
           </a:p>
         </p:txBody>
       </p:sp>
@@ -3986,6 +4041,7 @@
               <a:rPr lang="zh-CN" altLang="en-US" dirty="0"/>
               <a:t>可能的效率问题</a:t>
             </a:r>
+            <a:endParaRPr lang="zh-CN" altLang="en-US" dirty="0"/>
           </a:p>
         </p:txBody>
       </p:sp>
@@ -4086,6 +4142,7 @@
               <a:rPr lang="zh-CN" altLang="en-US" dirty="0"/>
               <a:t>下面详述</a:t>
             </a:r>
+            <a:endParaRPr lang="zh-CN" altLang="en-US" dirty="0"/>
           </a:p>
         </p:txBody>
       </p:sp>
@@ -4142,6 +4199,7 @@
               <a:rPr lang="zh-CN" altLang="en-US" dirty="0"/>
               <a:t>的细节</a:t>
             </a:r>
+            <a:endParaRPr lang="zh-CN" altLang="en-US" dirty="0"/>
           </a:p>
         </p:txBody>
       </p:sp>
@@ -4154,7 +4212,7 @@
           <p:nvPr/>
         </p:nvPicPr>
         <p:blipFill>
-          <a:blip r:embed="rId2">
+          <a:blip r:embed="rId1">
             <a:extLst>
               <a:ext uri="{28A0092B-C50C-407E-A947-70E740481C1C}">
                 <a14:useLocalDpi xmlns:a14="http://schemas.microsoft.com/office/drawing/2010/main" val="0"/>
@@ -4302,6 +4360,7 @@
               <a:rPr lang="zh-CN" altLang="en-US" dirty="0"/>
               <a:t>的细节</a:t>
             </a:r>
+            <a:endParaRPr lang="zh-CN" altLang="en-US" dirty="0"/>
           </a:p>
         </p:txBody>
       </p:sp>
@@ -4392,7 +4451,7 @@
           <p:nvPr/>
         </p:nvPicPr>
         <p:blipFill rotWithShape="1">
-          <a:blip r:embed="rId2">
+          <a:blip r:embed="rId1">
             <a:extLst>
               <a:ext uri="{28A0092B-C50C-407E-A947-70E740481C1C}">
                 <a14:useLocalDpi xmlns:a14="http://schemas.microsoft.com/office/drawing/2010/main" val="0"/>
@@ -4464,6 +4523,7 @@
               <a:rPr lang="zh-CN" altLang="en-US" dirty="0"/>
               <a:t>将模块接入内核所做的修改</a:t>
             </a:r>
+            <a:endParaRPr lang="zh-CN" altLang="en-US" dirty="0"/>
           </a:p>
         </p:txBody>
       </p:sp>
@@ -4489,6 +4549,7 @@
               <a:rPr lang="zh-CN" altLang="en-US" sz="3200" dirty="0"/>
               <a:t>代码演示</a:t>
             </a:r>
+            <a:endParaRPr lang="zh-CN" altLang="en-US" sz="3200" dirty="0"/>
           </a:p>
         </p:txBody>
       </p:sp>
@@ -4519,13 +4580,7 @@
       </p:grpSpPr>
       <p:sp>
         <p:nvSpPr>
-          <p:cNvPr id="2" name="标题 1">
-            <a:extLst>
-              <a:ext uri="{FF2B5EF4-FFF2-40B4-BE49-F238E27FC236}">
-                <a16:creationId xmlns:a16="http://schemas.microsoft.com/office/drawing/2014/main" id="{CAB1854B-779B-4931-8487-77A779619F88}"/>
-              </a:ext>
-            </a:extLst>
-          </p:cNvPr>
+          <p:cNvPr id="2" name="标题 1"/>
           <p:cNvSpPr>
             <a:spLocks noGrp="1"/>
           </p:cNvSpPr>
@@ -4547,18 +4602,13 @@
               <a:rPr lang="zh-CN" altLang="en-US" dirty="0"/>
               <a:t>下层区间</a:t>
             </a:r>
+            <a:endParaRPr lang="zh-CN" altLang="en-US" dirty="0"/>
           </a:p>
         </p:txBody>
       </p:sp>
       <p:pic>
         <p:nvPicPr>
-          <p:cNvPr id="5" name="内容占位符 4">
-            <a:extLst>
-              <a:ext uri="{FF2B5EF4-FFF2-40B4-BE49-F238E27FC236}">
-                <a16:creationId xmlns:a16="http://schemas.microsoft.com/office/drawing/2014/main" id="{B9F338E4-09AF-4718-AD79-7143B8DF8D60}"/>
-              </a:ext>
-            </a:extLst>
-          </p:cNvPr>
+          <p:cNvPr id="5" name="内容占位符 4"/>
           <p:cNvPicPr>
             <a:picLocks noGrp="1" noChangeAspect="1"/>
           </p:cNvPicPr>
@@ -4567,7 +4617,7 @@
           </p:nvPr>
         </p:nvPicPr>
         <p:blipFill>
-          <a:blip r:embed="rId2">
+          <a:blip r:embed="rId1">
             <a:extLst>
               <a:ext uri="{28A0092B-C50C-407E-A947-70E740481C1C}">
                 <a14:useLocalDpi xmlns:a14="http://schemas.microsoft.com/office/drawing/2010/main" val="0"/>
@@ -4586,11 +4636,6 @@
         </p:spPr>
       </p:pic>
     </p:spTree>
-    <p:extLst>
-      <p:ext uri="{BB962C8B-B14F-4D97-AF65-F5344CB8AC3E}">
-        <p14:creationId xmlns:p14="http://schemas.microsoft.com/office/powerpoint/2010/main" val="1884961617"/>
-      </p:ext>
-    </p:extLst>
   </p:cSld>
   <p:clrMapOvr>
     <a:masterClrMapping/>
@@ -4617,13 +4662,7 @@
       </p:grpSpPr>
       <p:sp>
         <p:nvSpPr>
-          <p:cNvPr id="2" name="标题 1">
-            <a:extLst>
-              <a:ext uri="{FF2B5EF4-FFF2-40B4-BE49-F238E27FC236}">
-                <a16:creationId xmlns:a16="http://schemas.microsoft.com/office/drawing/2014/main" id="{CAB1854B-779B-4931-8487-77A779619F88}"/>
-              </a:ext>
-            </a:extLst>
-          </p:cNvPr>
+          <p:cNvPr id="2" name="标题 1"/>
           <p:cNvSpPr>
             <a:spLocks noGrp="1"/>
           </p:cNvSpPr>
@@ -4655,19 +4694,40 @@
       </p:sp>
       <p:pic>
         <p:nvPicPr>
-          <p:cNvPr id="7" name="内容占位符 6">
-            <a:extLst>
-              <a:ext uri="{FF2B5EF4-FFF2-40B4-BE49-F238E27FC236}">
-                <a16:creationId xmlns:a16="http://schemas.microsoft.com/office/drawing/2014/main" id="{2EB4E10A-CA10-4132-B947-40C57FB90B15}"/>
-              </a:ext>
-            </a:extLst>
-          </p:cNvPr>
+          <p:cNvPr id="7" name="内容占位符 6"/>
           <p:cNvPicPr>
             <a:picLocks noGrp="1" noChangeAspect="1"/>
           </p:cNvPicPr>
           <p:nvPr>
             <p:ph idx="1"/>
           </p:nvPr>
+        </p:nvPicPr>
+        <p:blipFill>
+          <a:blip r:embed="rId1">
+            <a:extLst>
+              <a:ext uri="{28A0092B-C50C-407E-A947-70E740481C1C}">
+                <a14:useLocalDpi xmlns:a14="http://schemas.microsoft.com/office/drawing/2010/main" val="0"/>
+              </a:ext>
+            </a:extLst>
+          </a:blip>
+          <a:stretch>
+            <a:fillRect/>
+          </a:stretch>
+        </p:blipFill>
+        <p:spPr>
+          <a:xfrm>
+            <a:off x="433234" y="1507670"/>
+            <a:ext cx="10515600" cy="2190441"/>
+          </a:xfrm>
+        </p:spPr>
+      </p:pic>
+      <p:pic>
+        <p:nvPicPr>
+          <p:cNvPr id="9" name="图片 8"/>
+          <p:cNvPicPr>
+            <a:picLocks noChangeAspect="1"/>
+          </p:cNvPicPr>
+          <p:nvPr/>
         </p:nvPicPr>
         <p:blipFill>
           <a:blip r:embed="rId2">
@@ -4683,39 +4743,6 @@
         </p:blipFill>
         <p:spPr>
           <a:xfrm>
-            <a:off x="433234" y="1507670"/>
-            <a:ext cx="10515600" cy="2190441"/>
-          </a:xfrm>
-        </p:spPr>
-      </p:pic>
-      <p:pic>
-        <p:nvPicPr>
-          <p:cNvPr id="9" name="图片 8">
-            <a:extLst>
-              <a:ext uri="{FF2B5EF4-FFF2-40B4-BE49-F238E27FC236}">
-                <a16:creationId xmlns:a16="http://schemas.microsoft.com/office/drawing/2014/main" id="{5B9CEB40-4AD5-467A-9105-10F3C8D51296}"/>
-              </a:ext>
-            </a:extLst>
-          </p:cNvPr>
-          <p:cNvPicPr>
-            <a:picLocks noChangeAspect="1"/>
-          </p:cNvPicPr>
-          <p:nvPr/>
-        </p:nvPicPr>
-        <p:blipFill>
-          <a:blip r:embed="rId3">
-            <a:extLst>
-              <a:ext uri="{28A0092B-C50C-407E-A947-70E740481C1C}">
-                <a14:useLocalDpi xmlns:a14="http://schemas.microsoft.com/office/drawing/2010/main" val="0"/>
-              </a:ext>
-            </a:extLst>
-          </a:blip>
-          <a:stretch>
-            <a:fillRect/>
-          </a:stretch>
-        </p:blipFill>
-        <p:spPr>
-          <a:xfrm>
             <a:off x="433234" y="3895110"/>
             <a:ext cx="6727108" cy="2612890"/>
           </a:xfrm>
@@ -4726,13 +4753,7 @@
       </p:pic>
       <p:sp>
         <p:nvSpPr>
-          <p:cNvPr id="10" name="文本框 9">
-            <a:extLst>
-              <a:ext uri="{FF2B5EF4-FFF2-40B4-BE49-F238E27FC236}">
-                <a16:creationId xmlns:a16="http://schemas.microsoft.com/office/drawing/2014/main" id="{89A4FFB5-7BBE-44CD-848F-21F0EFE01F0F}"/>
-              </a:ext>
-            </a:extLst>
-          </p:cNvPr>
+          <p:cNvPr id="10" name="文本框 9"/>
           <p:cNvSpPr txBox="1"/>
           <p:nvPr/>
         </p:nvSpPr>
@@ -4756,15 +4777,11 @@
               <a:rPr lang="zh-CN" altLang="en-US" dirty="0"/>
               <a:t>提供的接口可以直接使用，单还有其他辅助功能：</a:t>
             </a:r>
+            <a:endParaRPr lang="zh-CN" altLang="en-US" dirty="0"/>
           </a:p>
         </p:txBody>
       </p:sp>
     </p:spTree>
-    <p:extLst>
-      <p:ext uri="{BB962C8B-B14F-4D97-AF65-F5344CB8AC3E}">
-        <p14:creationId xmlns:p14="http://schemas.microsoft.com/office/powerpoint/2010/main" val="979843128"/>
-      </p:ext>
-    </p:extLst>
   </p:cSld>
   <p:clrMapOvr>
     <a:masterClrMapping/>
@@ -4791,13 +4808,7 @@
       </p:grpSpPr>
       <p:sp>
         <p:nvSpPr>
-          <p:cNvPr id="2" name="标题 1">
-            <a:extLst>
-              <a:ext uri="{FF2B5EF4-FFF2-40B4-BE49-F238E27FC236}">
-                <a16:creationId xmlns:a16="http://schemas.microsoft.com/office/drawing/2014/main" id="{0BA2228E-0C22-43BA-8586-F5CA22A40FEB}"/>
-              </a:ext>
-            </a:extLst>
-          </p:cNvPr>
+          <p:cNvPr id="2" name="标题 1"/>
           <p:cNvSpPr>
             <a:spLocks noGrp="1"/>
           </p:cNvSpPr>
@@ -4840,13 +4851,7 @@
       </p:sp>
       <p:sp>
         <p:nvSpPr>
-          <p:cNvPr id="3" name="文本占位符 2">
-            <a:extLst>
-              <a:ext uri="{FF2B5EF4-FFF2-40B4-BE49-F238E27FC236}">
-                <a16:creationId xmlns:a16="http://schemas.microsoft.com/office/drawing/2014/main" id="{9E95101F-CC30-4F4A-9993-FB1BA902A623}"/>
-              </a:ext>
-            </a:extLst>
-          </p:cNvPr>
+          <p:cNvPr id="3" name="文本占位符 2"/>
           <p:cNvSpPr>
             <a:spLocks noGrp="1"/>
           </p:cNvSpPr>
@@ -4864,11 +4869,6 @@
         </p:txBody>
       </p:sp>
     </p:spTree>
-    <p:extLst>
-      <p:ext uri="{BB962C8B-B14F-4D97-AF65-F5344CB8AC3E}">
-        <p14:creationId xmlns:p14="http://schemas.microsoft.com/office/powerpoint/2010/main" val="975981306"/>
-      </p:ext>
-    </p:extLst>
   </p:cSld>
   <p:clrMapOvr>
     <a:masterClrMapping/>
@@ -4932,6 +4932,7 @@
               <a:rPr lang="zh-CN" altLang="x-none" dirty="0"/>
               <a:t>模块化</a:t>
             </a:r>
+            <a:endParaRPr lang="zh-CN" altLang="x-none" dirty="0"/>
           </a:p>
         </p:txBody>
       </p:sp>
@@ -4958,6 +4959,7 @@
               <a:rPr lang="zh-CN" altLang="x-none"/>
               <a:t>关系统调用的实现拆分为独立的模块</a:t>
             </a:r>
+            <a:endParaRPr lang="zh-CN" altLang="x-none"/>
           </a:p>
           <a:p>
             <a:r>
@@ -4974,6 +4976,7 @@
               <a:rPr lang="zh-CN" altLang="x-none"/>
               <a:t>sys_epoll_create</a:t>
             </a:r>
+            <a:endParaRPr lang="zh-CN" altLang="x-none"/>
           </a:p>
           <a:p>
             <a:pPr lvl="1"/>
@@ -4981,6 +4984,7 @@
               <a:rPr lang="zh-CN" altLang="x-none"/>
               <a:t>sys_epoll_ctl</a:t>
             </a:r>
+            <a:endParaRPr lang="zh-CN" altLang="x-none"/>
           </a:p>
           <a:p>
             <a:pPr lvl="1"/>
@@ -4988,6 +4992,7 @@
               <a:rPr lang="zh-CN" altLang="x-none"/>
               <a:t>sys_epoll_wait</a:t>
             </a:r>
+            <a:endParaRPr lang="zh-CN" altLang="x-none"/>
           </a:p>
           <a:p>
             <a:pPr lvl="1"/>
@@ -4995,6 +5000,7 @@
               <a:rPr lang="zh-CN" altLang="x-none"/>
               <a:t>sys_ppoll</a:t>
             </a:r>
+            <a:endParaRPr lang="zh-CN" altLang="x-none"/>
           </a:p>
           <a:p>
             <a:pPr lvl="1"/>
@@ -5002,6 +5008,7 @@
               <a:rPr lang="zh-CN" altLang="x-none"/>
               <a:t>sys_pselect6</a:t>
             </a:r>
+            <a:endParaRPr lang="zh-CN" altLang="x-none"/>
           </a:p>
         </p:txBody>
       </p:sp>
@@ -5014,7 +5021,7 @@
           <p:nvPr/>
         </p:nvPicPr>
         <p:blipFill>
-          <a:blip r:embed="rId2"/>
+          <a:blip r:embed="rId1"/>
           <a:stretch>
             <a:fillRect/>
           </a:stretch>
@@ -5078,6 +5085,7 @@
               <a:rPr lang="zh-CN" altLang="en-US" dirty="0"/>
               <a:t>“拆分模块”？</a:t>
             </a:r>
+            <a:endParaRPr lang="zh-CN" altLang="en-US" dirty="0"/>
           </a:p>
         </p:txBody>
       </p:sp>
@@ -5139,6 +5147,7 @@
               <a:rPr lang="zh-CN" altLang="en-US" sz="3200" dirty="0"/>
               <a:t>学习挪用</a:t>
             </a:r>
+            <a:endParaRPr lang="zh-CN" altLang="en-US" sz="3200" dirty="0"/>
           </a:p>
         </p:txBody>
       </p:sp>
@@ -5185,6 +5194,7 @@
               <a:rPr lang="zh-CN" altLang="en-US" dirty="0"/>
               <a:t>选择模块的基准？</a:t>
             </a:r>
+            <a:endParaRPr lang="zh-CN" altLang="en-US" dirty="0"/>
           </a:p>
         </p:txBody>
       </p:sp>
@@ -5425,6 +5435,7 @@
               <a:rPr lang="zh-CN" altLang="en-US" sz="3200" dirty="0"/>
               <a:t>目前缺少比较好的实现</a:t>
             </a:r>
+            <a:endParaRPr lang="zh-CN" altLang="en-US" sz="3200" dirty="0"/>
           </a:p>
         </p:txBody>
       </p:sp>
@@ -5486,6 +5497,9 @@
               </a:rPr>
               <a:t>模块单元测试与用户态测试</a:t>
             </a:r>
+            <a:endParaRPr lang="zh-CN" altLang="en-US">
+              <a:sym typeface="+mn-ea"/>
+            </a:endParaRPr>
           </a:p>
         </p:txBody>
       </p:sp>
@@ -5500,7 +5514,7 @@
           </p:nvPr>
         </p:nvPicPr>
         <p:blipFill>
-          <a:blip r:embed="rId2"/>
+          <a:blip r:embed="rId1"/>
           <a:stretch>
             <a:fillRect/>
           </a:stretch>
@@ -5526,7 +5540,7 @@
           </p:nvPr>
         </p:nvPicPr>
         <p:blipFill>
-          <a:blip r:embed="rId3"/>
+          <a:blip r:embed="rId2"/>
           <a:stretch>
             <a:fillRect/>
           </a:stretch>
@@ -5585,6 +5599,7 @@
               <a:rPr lang="zh-CN" altLang="en-US"/>
               <a:t>副产品</a:t>
             </a:r>
+            <a:endParaRPr lang="zh-CN" altLang="en-US"/>
           </a:p>
         </p:txBody>
       </p:sp>
@@ -5607,18 +5622,21 @@
               <a:rPr lang="zh-CN" altLang="en-US"/>
               <a:t>bitset：pselect 用到了 ShadowBitset</a:t>
             </a:r>
+            <a:endParaRPr lang="zh-CN" altLang="en-US"/>
           </a:p>
           <a:p>
             <a:r>
               <a:rPr lang="zh-CN" altLang="en-US"/>
               <a:t>syscall：将系统调用错误号 ErrorNo 提出来</a:t>
             </a:r>
+            <a:endParaRPr lang="zh-CN" altLang="en-US"/>
           </a:p>
           <a:p>
             <a:r>
               <a:rPr lang="zh-CN" altLang="en-US"/>
               <a:t>timer：时间相关接口，顺带把与时间有关的系统调用提了出来</a:t>
             </a:r>
+            <a:endParaRPr lang="zh-CN" altLang="en-US"/>
           </a:p>
           <a:p>
             <a:r>
@@ -5632,6 +5650,7 @@
               <a:rPr lang="zh-CN" altLang="en-US"/>
               <a:t>base-file：提取了 trait File 的基本公共接口</a:t>
             </a:r>
+            <a:endParaRPr lang="zh-CN" altLang="en-US"/>
           </a:p>
         </p:txBody>
       </p:sp>
@@ -5753,6 +5772,7 @@
               <a:rPr lang="zh-CN" altLang="en-US"/>
               <a:t>task-trampoline：外部模块与内核的桥梁</a:t>
             </a:r>
+            <a:endParaRPr lang="zh-CN" altLang="en-US"/>
           </a:p>
         </p:txBody>
       </p:sp>
@@ -5775,6 +5795,7 @@
               <a:rPr lang="zh-CN" altLang="en-US"/>
               <a:t>外部模块如何调用内核方法？</a:t>
             </a:r>
+            <a:endParaRPr lang="zh-CN" altLang="en-US"/>
           </a:p>
           <a:p>
             <a:pPr lvl="1"/>
@@ -5790,6 +5811,7 @@
               <a:rPr lang="zh-CN" altLang="en-US"/>
               <a:t>需要向内核中添加文件实例</a:t>
             </a:r>
+            <a:endParaRPr lang="zh-CN" altLang="en-US"/>
           </a:p>
           <a:p>
             <a:pPr lvl="1"/>
@@ -5809,6 +5831,7 @@
               <a:rPr lang="zh-CN" altLang="x-none"/>
               <a:t>需要从内核中获取文件实例</a:t>
             </a:r>
+            <a:endParaRPr lang="zh-CN" altLang="x-none"/>
           </a:p>
           <a:p>
             <a:pPr lvl="0"/>
@@ -5816,6 +5839,7 @@
               <a:rPr lang="zh-CN" altLang="x-none"/>
               <a:t>引入一个跳板模块，将内核方法传给跳板模块</a:t>
             </a:r>
+            <a:endParaRPr lang="zh-CN" altLang="x-none"/>
           </a:p>
           <a:p>
             <a:pPr lvl="0"/>
@@ -5823,6 +5847,7 @@
               <a:rPr lang="zh-CN" altLang="x-none"/>
               <a:t>外部模块通过跳板模块访问内核方法</a:t>
             </a:r>
+            <a:endParaRPr lang="zh-CN" altLang="x-none"/>
           </a:p>
         </p:txBody>
       </p:sp>
@@ -5866,6 +5891,7 @@
               <a:rPr lang="x-none" altLang="zh-CN" sz="2400"/>
               <a:t>kernel</a:t>
             </a:r>
+            <a:endParaRPr lang="x-none" altLang="zh-CN" sz="2400"/>
           </a:p>
         </p:txBody>
       </p:sp>
@@ -5909,6 +5935,7 @@
               <a:rPr lang="x-none" altLang="zh-CN" sz="2400"/>
               <a:t>epoll</a:t>
             </a:r>
+            <a:endParaRPr lang="x-none" altLang="zh-CN" sz="2400"/>
           </a:p>
         </p:txBody>
       </p:sp>
@@ -5952,6 +5979,7 @@
               <a:rPr lang="x-none" altLang="zh-CN" sz="2400"/>
               <a:t>task-trampoline</a:t>
             </a:r>
+            <a:endParaRPr lang="x-none" altLang="zh-CN" sz="2400"/>
           </a:p>
         </p:txBody>
       </p:sp>
@@ -6018,7 +6046,7 @@
           </p:nvPr>
         </p:nvPicPr>
         <p:blipFill>
-          <a:blip r:embed="rId2"/>
+          <a:blip r:embed="rId1"/>
           <a:stretch>
             <a:fillRect/>
           </a:stretch>
@@ -6060,6 +6088,7 @@
               <a:rPr lang="x-none" altLang="zh-CN"/>
               <a:t>crate task-trampoline</a:t>
             </a:r>
+            <a:endParaRPr lang="x-none" altLang="zh-CN"/>
           </a:p>
         </p:txBody>
       </p:sp>
@@ -6111,6 +6140,7 @@
               <a:rPr lang="zh-CN" altLang="x-none"/>
               <a:t>与内核</a:t>
             </a:r>
+            <a:endParaRPr lang="zh-CN" altLang="x-none"/>
           </a:p>
         </p:txBody>
       </p:sp>
@@ -6125,7 +6155,7 @@
           </p:nvPr>
         </p:nvPicPr>
         <p:blipFill>
-          <a:blip r:embed="rId2"/>
+          <a:blip r:embed="rId1"/>
           <a:stretch>
             <a:fillRect/>
           </a:stretch>
@@ -6167,6 +6197,7 @@
               <a:rPr lang="x-none" altLang="zh-CN"/>
               <a:t>kernel</a:t>
             </a:r>
+            <a:endParaRPr lang="x-none" altLang="zh-CN"/>
           </a:p>
         </p:txBody>
       </p:sp>
@@ -6222,6 +6253,9 @@
               </a:rPr>
               <a:t>与外部模块</a:t>
             </a:r>
+            <a:endParaRPr lang="zh-CN" altLang="x-none">
+              <a:sym typeface="+mn-ea"/>
+            </a:endParaRPr>
           </a:p>
         </p:txBody>
       </p:sp>
@@ -6236,7 +6270,7 @@
           </p:nvPr>
         </p:nvPicPr>
         <p:blipFill>
-          <a:blip r:embed="rId2"/>
+          <a:blip r:embed="rId1"/>
           <a:stretch>
             <a:fillRect/>
           </a:stretch>
@@ -6278,6 +6312,7 @@
               <a:rPr lang="x-none" altLang="zh-CN"/>
               <a:t>crate task-trampoline</a:t>
             </a:r>
+            <a:endParaRPr lang="x-none" altLang="zh-CN"/>
           </a:p>
         </p:txBody>
       </p:sp>
@@ -6342,7 +6377,7 @@
           </p:nvPr>
         </p:nvPicPr>
         <p:blipFill>
-          <a:blip r:embed="rId2"/>
+          <a:blip r:embed="rId1"/>
           <a:stretch>
             <a:fillRect/>
           </a:stretch>
@@ -6440,6 +6475,9 @@
               </a:rPr>
               <a:t>的意义在于，内核的实现可能多种多样，但只要实现了这些公共接口，就能认为它们在模块化层面是兼容的</a:t>
             </a:r>
+            <a:endParaRPr lang="zh-CN" altLang="x-none">
+              <a:sym typeface="+mn-ea"/>
+            </a:endParaRPr>
           </a:p>
           <a:p>
             <a:endParaRPr lang="zh-CN" altLang="x-none">
@@ -6453,6 +6491,9 @@
               </a:rPr>
               <a:t>内核视角：自主决定实现细节，只需满足公共接口</a:t>
             </a:r>
+            <a:endParaRPr lang="zh-CN" altLang="x-none">
+              <a:sym typeface="+mn-ea"/>
+            </a:endParaRPr>
           </a:p>
           <a:p>
             <a:r>
@@ -6461,6 +6502,9 @@
               </a:rPr>
               <a:t>模块视角：通过公共接口约定，访问内核中的方法</a:t>
             </a:r>
+            <a:endParaRPr lang="zh-CN" altLang="x-none">
+              <a:sym typeface="+mn-ea"/>
+            </a:endParaRPr>
           </a:p>
           <a:p>
             <a:r>
@@ -6487,11 +6531,187 @@
               </a:rPr>
               <a:t>是内核与外部模块之间的“协议”</a:t>
             </a:r>
-          </a:p>
-          <a:p>
             <a:endParaRPr lang="zh-CN" altLang="x-none">
               <a:sym typeface="+mn-ea"/>
             </a:endParaRPr>
+          </a:p>
+          <a:p>
+            <a:endParaRPr lang="zh-CN" altLang="x-none">
+              <a:sym typeface="+mn-ea"/>
+            </a:endParaRPr>
+          </a:p>
+        </p:txBody>
+      </p:sp>
+    </p:spTree>
+  </p:cSld>
+  <p:clrMapOvr>
+    <a:masterClrMapping/>
+  </p:clrMapOvr>
+</p:sld>
+</file>
+
+<file path=ppt/slides/slide28.xml><?xml version="1.0" encoding="utf-8"?>
+<p:sld xmlns:a="http://schemas.openxmlformats.org/drawingml/2006/main" xmlns:r="http://schemas.openxmlformats.org/officeDocument/2006/relationships" xmlns:p="http://schemas.openxmlformats.org/presentationml/2006/main">
+  <p:cSld>
+    <p:spTree>
+      <p:nvGrpSpPr>
+        <p:cNvPr id="1" name=""/>
+        <p:cNvGrpSpPr/>
+        <p:nvPr/>
+      </p:nvGrpSpPr>
+      <p:grpSpPr/>
+      <p:sp>
+        <p:nvSpPr>
+          <p:cNvPr id="2" name="标题 1"/>
+          <p:cNvSpPr>
+            <a:spLocks noGrp="1"/>
+          </p:cNvSpPr>
+          <p:nvPr>
+            <p:ph type="title"/>
+          </p:nvPr>
+        </p:nvSpPr>
+        <p:spPr/>
+        <p:txBody>
+          <a:bodyPr/>
+          <a:p>
+            <a:r>
+              <a:rPr lang="zh-CN" altLang="en-US"/>
+              <a:t>附：相关模块文档链接</a:t>
+            </a:r>
+            <a:endParaRPr lang="zh-CN" altLang="en-US"/>
+          </a:p>
+        </p:txBody>
+      </p:sp>
+      <p:sp>
+        <p:nvSpPr>
+          <p:cNvPr id="3" name="内容占位符 2"/>
+          <p:cNvSpPr>
+            <a:spLocks noGrp="1"/>
+          </p:cNvSpPr>
+          <p:nvPr>
+            <p:ph idx="1"/>
+          </p:nvPr>
+        </p:nvSpPr>
+        <p:spPr/>
+        <p:txBody>
+          <a:bodyPr>
+            <a:normAutofit/>
+          </a:bodyPr>
+          <a:p>
+            <a:r>
+              <a:rPr lang="x-none" altLang="zh-CN" sz="2200"/>
+              <a:t>epoll: </a:t>
+            </a:r>
+            <a:r>
+              <a:rPr lang="zh-CN" altLang="en-US" sz="2200"/>
+              <a:t>https://scpointer.github.io/maturin/epoll/index.html</a:t>
+            </a:r>
+            <a:endParaRPr lang="zh-CN" altLang="en-US" sz="2200"/>
+          </a:p>
+          <a:p>
+            <a:r>
+              <a:rPr lang="x-none" altLang="zh-CN" sz="2200"/>
+              <a:t>poll: </a:t>
+            </a:r>
+            <a:r>
+              <a:rPr lang="zh-CN" altLang="en-US" sz="2200"/>
+              <a:t>https://scpointer.github.io/maturin/poll/index.html</a:t>
+            </a:r>
+            <a:endParaRPr lang="zh-CN" altLang="en-US" sz="2200"/>
+          </a:p>
+          <a:p>
+            <a:r>
+              <a:rPr lang="x-none" altLang="zh-CN" sz="2200"/>
+              <a:t>select: </a:t>
+            </a:r>
+            <a:r>
+              <a:rPr lang="zh-CN" altLang="en-US" sz="2200"/>
+              <a:t>https://scpointer.github.io/maturin/select/index.html</a:t>
+            </a:r>
+            <a:endParaRPr lang="zh-CN" altLang="en-US" sz="2200"/>
+          </a:p>
+          <a:p>
+            <a:r>
+              <a:rPr lang="zh-CN" altLang="en-US" sz="2200"/>
+              <a:t>task-trampoline</a:t>
+            </a:r>
+            <a:r>
+              <a:rPr lang="x-none" altLang="zh-CN" sz="2200"/>
+              <a:t>: </a:t>
+            </a:r>
+            <a:r>
+              <a:rPr lang="zh-CN" altLang="en-US" sz="2200"/>
+              <a:t>https://scpointer.github.io/maturin/task_trampoline/index.html</a:t>
+            </a:r>
+            <a:endParaRPr lang="zh-CN" altLang="en-US" sz="2200"/>
+          </a:p>
+          <a:p>
+            <a:r>
+              <a:rPr lang="zh-CN" altLang="en-US" sz="2200">
+                <a:sym typeface="+mn-ea"/>
+              </a:rPr>
+              <a:t>timer</a:t>
+            </a:r>
+            <a:r>
+              <a:rPr lang="x-none" altLang="zh-CN" sz="2200">
+                <a:sym typeface="+mn-ea"/>
+              </a:rPr>
+              <a:t>: </a:t>
+            </a:r>
+            <a:r>
+              <a:rPr lang="zh-CN" altLang="en-US" sz="2200"/>
+              <a:t>https://scpointer.github.io/maturin/timer/index.html</a:t>
+            </a:r>
+            <a:endParaRPr lang="zh-CN" altLang="en-US" sz="2200"/>
+          </a:p>
+          <a:p>
+            <a:r>
+              <a:rPr lang="zh-CN" altLang="en-US" sz="2200">
+                <a:sym typeface="+mn-ea"/>
+              </a:rPr>
+              <a:t>bitset</a:t>
+            </a:r>
+            <a:r>
+              <a:rPr lang="x-none" altLang="zh-CN" sz="2200">
+                <a:sym typeface="+mn-ea"/>
+              </a:rPr>
+              <a:t>: </a:t>
+            </a:r>
+            <a:r>
+              <a:rPr lang="zh-CN" altLang="en-US" sz="2200"/>
+              <a:t>https://scpointer.github.io/maturin/bitset/index.html</a:t>
+            </a:r>
+            <a:endParaRPr lang="zh-CN" altLang="en-US" sz="2200"/>
+          </a:p>
+          <a:p>
+            <a:r>
+              <a:rPr lang="zh-CN" altLang="en-US" sz="2200">
+                <a:sym typeface="+mn-ea"/>
+              </a:rPr>
+              <a:t>syscall</a:t>
+            </a:r>
+            <a:r>
+              <a:rPr lang="x-none" altLang="zh-CN" sz="2200">
+                <a:sym typeface="+mn-ea"/>
+              </a:rPr>
+              <a:t>: </a:t>
+            </a:r>
+            <a:r>
+              <a:rPr lang="zh-CN" altLang="en-US" sz="2200"/>
+              <a:t>https://scpointer.github.io/maturin/syscall/index.html</a:t>
+            </a:r>
+            <a:endParaRPr lang="zh-CN" altLang="en-US" sz="2200"/>
+          </a:p>
+          <a:p>
+            <a:r>
+              <a:rPr lang="x-none" altLang="zh-CN" sz="2200"/>
+              <a:t>base-file: </a:t>
+            </a:r>
+            <a:r>
+              <a:rPr lang="zh-CN" altLang="en-US" sz="2200"/>
+              <a:t>https://scpointer.github.io/maturin/base_file/index.html</a:t>
+            </a:r>
+            <a:endParaRPr lang="zh-CN" altLang="en-US" sz="2200"/>
           </a:p>
         </p:txBody>
       </p:sp>
@@ -6522,13 +6742,7 @@
       </p:grpSpPr>
       <p:sp>
         <p:nvSpPr>
-          <p:cNvPr id="2" name="标题 1">
-            <a:extLst>
-              <a:ext uri="{FF2B5EF4-FFF2-40B4-BE49-F238E27FC236}">
-                <a16:creationId xmlns:a16="http://schemas.microsoft.com/office/drawing/2014/main" id="{8551EC6D-F854-48C2-B3FB-BA6E5CF6115D}"/>
-              </a:ext>
-            </a:extLst>
-          </p:cNvPr>
+          <p:cNvPr id="2" name="标题 1"/>
           <p:cNvSpPr>
             <a:spLocks noGrp="1"/>
           </p:cNvSpPr>
@@ -6545,18 +6759,13 @@
               <a:rPr lang="zh-CN" altLang="en-US" dirty="0"/>
               <a:t>项目进程</a:t>
             </a:r>
-          </a:p>
-        </p:txBody>
-      </p:sp>
-      <p:sp>
-        <p:nvSpPr>
-          <p:cNvPr id="3" name="内容占位符 2">
-            <a:extLst>
-              <a:ext uri="{FF2B5EF4-FFF2-40B4-BE49-F238E27FC236}">
-                <a16:creationId xmlns:a16="http://schemas.microsoft.com/office/drawing/2014/main" id="{00120352-5B42-41F6-802A-495A8EE9E24D}"/>
-              </a:ext>
-            </a:extLst>
-          </p:cNvPr>
+            <a:endParaRPr lang="zh-CN" altLang="en-US" dirty="0"/>
+          </a:p>
+        </p:txBody>
+      </p:sp>
+      <p:sp>
+        <p:nvSpPr>
+          <p:cNvPr id="3" name="内容占位符 2"/>
           <p:cNvSpPr>
             <a:spLocks noGrp="1"/>
           </p:cNvSpPr>
@@ -6647,11 +6856,6 @@
         </p:txBody>
       </p:sp>
     </p:spTree>
-    <p:extLst>
-      <p:ext uri="{BB962C8B-B14F-4D97-AF65-F5344CB8AC3E}">
-        <p14:creationId xmlns:p14="http://schemas.microsoft.com/office/powerpoint/2010/main" val="4196331825"/>
-      </p:ext>
-    </p:extLst>
   </p:cSld>
   <p:clrMapOvr>
     <a:masterClrMapping/>
@@ -6678,13 +6882,7 @@
       </p:grpSpPr>
       <p:sp>
         <p:nvSpPr>
-          <p:cNvPr id="2" name="标题 1">
-            <a:extLst>
-              <a:ext uri="{FF2B5EF4-FFF2-40B4-BE49-F238E27FC236}">
-                <a16:creationId xmlns:a16="http://schemas.microsoft.com/office/drawing/2014/main" id="{0BA2228E-0C22-43BA-8586-F5CA22A40FEB}"/>
-              </a:ext>
-            </a:extLst>
-          </p:cNvPr>
+          <p:cNvPr id="2" name="标题 1"/>
           <p:cNvSpPr>
             <a:spLocks noGrp="1"/>
           </p:cNvSpPr>
@@ -6714,13 +6912,7 @@
       </p:sp>
       <p:sp>
         <p:nvSpPr>
-          <p:cNvPr id="3" name="文本占位符 2">
-            <a:extLst>
-              <a:ext uri="{FF2B5EF4-FFF2-40B4-BE49-F238E27FC236}">
-                <a16:creationId xmlns:a16="http://schemas.microsoft.com/office/drawing/2014/main" id="{9E95101F-CC30-4F4A-9993-FB1BA902A623}"/>
-              </a:ext>
-            </a:extLst>
-          </p:cNvPr>
+          <p:cNvPr id="3" name="文本占位符 2"/>
           <p:cNvSpPr>
             <a:spLocks noGrp="1"/>
           </p:cNvSpPr>
@@ -6738,11 +6930,6 @@
         </p:txBody>
       </p:sp>
     </p:spTree>
-    <p:extLst>
-      <p:ext uri="{BB962C8B-B14F-4D97-AF65-F5344CB8AC3E}">
-        <p14:creationId xmlns:p14="http://schemas.microsoft.com/office/powerpoint/2010/main" val="339435214"/>
-      </p:ext>
-    </p:extLst>
   </p:cSld>
   <p:clrMapOvr>
     <a:masterClrMapping/>
@@ -6786,6 +6973,7 @@
               <a:rPr lang="zh-CN" altLang="en-US" dirty="0"/>
               <a:t>内存区间管理模块</a:t>
             </a:r>
+            <a:endParaRPr lang="zh-CN" altLang="en-US" dirty="0"/>
           </a:p>
         </p:txBody>
       </p:sp>
@@ -7019,6 +7207,7 @@
               <a:rPr lang="zh-CN" altLang="en-US" dirty="0"/>
               <a:t>区间管理需要的接口</a:t>
             </a:r>
+            <a:endParaRPr lang="zh-CN" altLang="en-US" dirty="0"/>
           </a:p>
         </p:txBody>
       </p:sp>
@@ -8988,6 +9177,7 @@
               <a:rPr lang="zh-CN" altLang="en-US" dirty="0"/>
               <a:t>目前的语义</a:t>
             </a:r>
+            <a:endParaRPr lang="zh-CN" altLang="en-US" dirty="0"/>
           </a:p>
         </p:txBody>
       </p:sp>
@@ -9238,6 +9428,7 @@
               <a:rPr lang="zh-CN" altLang="en-US" sz="2400" dirty="0"/>
               <a:t>调用者提供</a:t>
             </a:r>
+            <a:endParaRPr lang="zh-CN" altLang="en-US" sz="2400" dirty="0"/>
           </a:p>
         </p:txBody>
       </p:sp>
@@ -9267,6 +9458,7 @@
               <a:rPr lang="en-US" altLang="zh-CN" sz="2800" dirty="0"/>
               <a:t>trait Segment:</a:t>
             </a:r>
+            <a:endParaRPr lang="en-US" altLang="zh-CN" sz="2800" dirty="0"/>
           </a:p>
           <a:p>
             <a:pPr marL="457200" indent="-457200">
@@ -9369,6 +9561,7 @@
               <a:rPr lang="en-US" altLang="zh-CN" sz="2400" dirty="0"/>
               <a:t>);</a:t>
             </a:r>
+            <a:endParaRPr lang="en-US" altLang="zh-CN" sz="2400" dirty="0"/>
           </a:p>
           <a:p>
             <a:r>
@@ -9395,6 +9588,7 @@
               <a:rPr lang="en-US" altLang="zh-CN" sz="2400" dirty="0"/>
               <a:t>);</a:t>
             </a:r>
+            <a:endParaRPr lang="en-US" altLang="zh-CN" sz="2400" dirty="0"/>
           </a:p>
           <a:p>
             <a:r>
@@ -9429,6 +9623,7 @@
               <a:rPr lang="en-US" altLang="zh-CN" sz="2400" dirty="0"/>
               <a:t>);</a:t>
             </a:r>
+            <a:endParaRPr lang="en-US" altLang="zh-CN" sz="2400" dirty="0"/>
           </a:p>
         </p:txBody>
       </p:sp>
@@ -9526,6 +9721,7 @@
               <a:rPr lang="en-US" altLang="zh-CN" sz="2400" dirty="0"/>
               <a:t>()</a:t>
             </a:r>
+            <a:endParaRPr lang="en-US" altLang="zh-CN" sz="2400" dirty="0"/>
           </a:p>
           <a:p>
             <a:r>
@@ -9544,6 +9740,7 @@
               <a:rPr lang="en-US" altLang="zh-CN" sz="2400" dirty="0"/>
               <a:t>()</a:t>
             </a:r>
+            <a:endParaRPr lang="en-US" altLang="zh-CN" sz="2400" dirty="0"/>
           </a:p>
           <a:p>
             <a:r>
@@ -9554,6 +9751,7 @@
               <a:rPr lang="en-US" altLang="zh-CN" sz="2400" dirty="0"/>
               <a:t>()</a:t>
             </a:r>
+            <a:endParaRPr lang="en-US" altLang="zh-CN" sz="2400" dirty="0"/>
           </a:p>
           <a:p>
             <a:r>
@@ -9564,6 +9762,7 @@
               <a:rPr lang="en-US" altLang="zh-CN" sz="2400" dirty="0"/>
               <a:t>()</a:t>
             </a:r>
+            <a:endParaRPr lang="en-US" altLang="zh-CN" sz="2400" dirty="0"/>
           </a:p>
         </p:txBody>
       </p:sp>
@@ -9685,6 +9884,7 @@
               <a:rPr lang="zh-CN" altLang="en-US" sz="2000" dirty="0"/>
               <a:t>使用下面接口提供默认实现，也可覆盖</a:t>
             </a:r>
+            <a:endParaRPr lang="zh-CN" altLang="en-US" sz="2000" dirty="0"/>
           </a:p>
         </p:txBody>
       </p:sp>
@@ -9759,27 +9959,9 @@
                 <a:tableStyleId>{5C22544A-7EE6-4342-B048-85BDC9FD1C3A}</a:tableStyleId>
               </a:tblPr>
               <a:tblGrid>
-                <a:gridCol w="3475863">
-                  <a:extLst>
-                    <a:ext uri="{9D8B030D-6E8A-4147-A177-3AD203B41FA5}">
-                      <a16:colId xmlns:a16="http://schemas.microsoft.com/office/drawing/2014/main" val="20000"/>
-                    </a:ext>
-                  </a:extLst>
-                </a:gridCol>
-                <a:gridCol w="3475863">
-                  <a:extLst>
-                    <a:ext uri="{9D8B030D-6E8A-4147-A177-3AD203B41FA5}">
-                      <a16:colId xmlns:a16="http://schemas.microsoft.com/office/drawing/2014/main" val="20001"/>
-                    </a:ext>
-                  </a:extLst>
-                </a:gridCol>
-                <a:gridCol w="3475863">
-                  <a:extLst>
-                    <a:ext uri="{9D8B030D-6E8A-4147-A177-3AD203B41FA5}">
-                      <a16:colId xmlns:a16="http://schemas.microsoft.com/office/drawing/2014/main" val="20002"/>
-                    </a:ext>
-                  </a:extLst>
-                </a:gridCol>
+                <a:gridCol w="3475863"/>
+                <a:gridCol w="3475863"/>
+                <a:gridCol w="3475863"/>
               </a:tblGrid>
               <a:tr h="370840">
                 <a:tc>
@@ -9791,6 +9973,7 @@
                         <a:rPr lang="zh-CN" altLang="en-US" dirty="0"/>
                         <a:t>接口</a:t>
                       </a:r>
+                      <a:endParaRPr lang="zh-CN" altLang="en-US" dirty="0"/>
                     </a:p>
                   </a:txBody>
                   <a:tcPr/>
@@ -9804,6 +9987,7 @@
                         <a:rPr lang="zh-CN" altLang="en-US" dirty="0"/>
                         <a:t>语义</a:t>
                       </a:r>
+                      <a:endParaRPr lang="zh-CN" altLang="en-US" dirty="0"/>
                     </a:p>
                   </a:txBody>
                   <a:tcPr/>
@@ -9817,15 +10001,11 @@
                         <a:rPr lang="zh-CN" altLang="en-US" dirty="0"/>
                         <a:t>默认操作</a:t>
                       </a:r>
+                      <a:endParaRPr lang="zh-CN" altLang="en-US" dirty="0"/>
                     </a:p>
                   </a:txBody>
                   <a:tcPr/>
                 </a:tc>
-                <a:extLst>
-                  <a:ext uri="{0D108BD9-81ED-4DB2-BD59-A6C34878D82A}">
-                    <a16:rowId xmlns:a16="http://schemas.microsoft.com/office/drawing/2014/main" val="10000"/>
-                  </a:ext>
-                </a:extLst>
               </a:tr>
               <a:tr h="370840">
                 <a:tc>
@@ -9859,6 +10039,7 @@
                         <a:rPr lang="zh-CN" altLang="en-US" dirty="0"/>
                         <a:t>并删除</a:t>
                       </a:r>
+                      <a:endParaRPr lang="zh-CN" altLang="en-US" dirty="0"/>
                     </a:p>
                   </a:txBody>
                   <a:tcPr/>
@@ -9888,15 +10069,11 @@
                         <a:rPr lang="en-US" altLang="zh-CN" dirty="0"/>
                         <a:t>Split + Remove</a:t>
                       </a:r>
+                      <a:endParaRPr lang="en-US" altLang="zh-CN" dirty="0"/>
                     </a:p>
                   </a:txBody>
                   <a:tcPr/>
                 </a:tc>
-                <a:extLst>
-                  <a:ext uri="{0D108BD9-81ED-4DB2-BD59-A6C34878D82A}">
-                    <a16:rowId xmlns:a16="http://schemas.microsoft.com/office/drawing/2014/main" val="10001"/>
-                  </a:ext>
-                </a:extLst>
               </a:tr>
               <a:tr h="370840">
                 <a:tc>
@@ -9930,6 +10107,7 @@
                         <a:rPr lang="zh-CN" altLang="en-US" dirty="0"/>
                         <a:t>并删除</a:t>
                       </a:r>
+                      <a:endParaRPr lang="zh-CN" altLang="en-US" dirty="0"/>
                     </a:p>
                   </a:txBody>
                   <a:tcPr/>
@@ -9948,11 +10126,6 @@
                   </a:txBody>
                   <a:tcPr/>
                 </a:tc>
-                <a:extLst>
-                  <a:ext uri="{0D108BD9-81ED-4DB2-BD59-A6C34878D82A}">
-                    <a16:rowId xmlns:a16="http://schemas.microsoft.com/office/drawing/2014/main" val="10002"/>
-                  </a:ext>
-                </a:extLst>
               </a:tr>
               <a:tr h="370840">
                 <a:tc>
@@ -9986,6 +10159,7 @@
                         <a:rPr lang="zh-CN" altLang="en-US" dirty="0"/>
                         <a:t>并删除，留下左右半边区间</a:t>
                       </a:r>
+                      <a:endParaRPr lang="zh-CN" altLang="en-US" dirty="0"/>
                     </a:p>
                   </a:txBody>
                   <a:tcPr/>
@@ -10015,15 +10189,11 @@
                         <a:rPr lang="en-US" altLang="zh-CN" dirty="0"/>
                         <a:t>Split + Split + Remove</a:t>
                       </a:r>
+                      <a:endParaRPr lang="en-US" altLang="zh-CN" dirty="0"/>
                     </a:p>
                   </a:txBody>
                   <a:tcPr/>
                 </a:tc>
-                <a:extLst>
-                  <a:ext uri="{0D108BD9-81ED-4DB2-BD59-A6C34878D82A}">
-                    <a16:rowId xmlns:a16="http://schemas.microsoft.com/office/drawing/2014/main" val="10003"/>
-                  </a:ext>
-                </a:extLst>
               </a:tr>
               <a:tr h="370840">
                 <a:tc>
@@ -10049,6 +10219,7 @@
                         <a:rPr lang="zh-CN" altLang="en-US" dirty="0"/>
                         <a:t>区间被切分，同时左半边区间修改控制权限</a:t>
                       </a:r>
+                      <a:endParaRPr lang="zh-CN" altLang="en-US" dirty="0"/>
                     </a:p>
                   </a:txBody>
                   <a:tcPr/>
@@ -10067,11 +10238,6 @@
                   </a:txBody>
                   <a:tcPr/>
                 </a:tc>
-                <a:extLst>
-                  <a:ext uri="{0D108BD9-81ED-4DB2-BD59-A6C34878D82A}">
-                    <a16:rowId xmlns:a16="http://schemas.microsoft.com/office/drawing/2014/main" val="10004"/>
-                  </a:ext>
-                </a:extLst>
               </a:tr>
               <a:tr h="370840">
                 <a:tc>
@@ -10097,6 +10263,7 @@
                         <a:rPr lang="zh-CN" altLang="en-US" dirty="0"/>
                         <a:t>区间被切分，同时右半边区间修改控制权限</a:t>
                       </a:r>
+                      <a:endParaRPr lang="zh-CN" altLang="en-US" dirty="0"/>
                     </a:p>
                   </a:txBody>
                   <a:tcPr/>
@@ -10115,11 +10282,6 @@
                   </a:txBody>
                   <a:tcPr/>
                 </a:tc>
-                <a:extLst>
-                  <a:ext uri="{0D108BD9-81ED-4DB2-BD59-A6C34878D82A}">
-                    <a16:rowId xmlns:a16="http://schemas.microsoft.com/office/drawing/2014/main" val="10005"/>
-                  </a:ext>
-                </a:extLst>
               </a:tr>
               <a:tr h="370840">
                 <a:tc>
@@ -10145,6 +10307,7 @@
                         <a:rPr lang="zh-CN" altLang="en-US" dirty="0"/>
                         <a:t>区间被切成三段，修改中间一段的控制权限</a:t>
                       </a:r>
+                      <a:endParaRPr lang="zh-CN" altLang="en-US" dirty="0"/>
                     </a:p>
                   </a:txBody>
                   <a:tcPr/>
@@ -10163,11 +10326,6 @@
                   </a:txBody>
                   <a:tcPr/>
                 </a:tc>
-                <a:extLst>
-                  <a:ext uri="{0D108BD9-81ED-4DB2-BD59-A6C34878D82A}">
-                    <a16:rowId xmlns:a16="http://schemas.microsoft.com/office/drawing/2014/main" val="10006"/>
-                  </a:ext>
-                </a:extLst>
               </a:tr>
             </a:tbl>
           </a:graphicData>
@@ -10201,6 +10359,7 @@
               <a:rPr lang="zh-CN" altLang="en-US" dirty="0"/>
               <a:t>里提供一个默认的组合操作，但也可以重新实现提高效率</a:t>
             </a:r>
+            <a:endParaRPr lang="zh-CN" altLang="en-US" dirty="0"/>
           </a:p>
         </p:txBody>
       </p:sp>
@@ -10408,6 +10567,13 @@
               </a:rPr>
               <a:t>,</a:t>
             </a:r>
+            <a:endParaRPr lang="en-US" altLang="zh-CN" sz="2400" b="1" dirty="0">
+              <a:solidFill>
+                <a:schemeClr val="accent2">
+                  <a:lumMod val="75000"/>
+                </a:schemeClr>
+              </a:solidFill>
+            </a:endParaRPr>
           </a:p>
           <a:p>
             <a:r>
@@ -10440,6 +10606,13 @@
               </a:rPr>
               <a:t>,</a:t>
             </a:r>
+            <a:endParaRPr lang="en-US" altLang="zh-CN" sz="2400" b="1" dirty="0">
+              <a:solidFill>
+                <a:schemeClr val="accent2">
+                  <a:lumMod val="75000"/>
+                </a:schemeClr>
+              </a:solidFill>
+            </a:endParaRPr>
           </a:p>
           <a:p>
             <a:r>
@@ -10590,6 +10763,7 @@
               <a:rPr lang="zh-CN" altLang="en-US" dirty="0"/>
               <a:t>调用者提供</a:t>
             </a:r>
+            <a:endParaRPr lang="zh-CN" altLang="en-US" dirty="0"/>
           </a:p>
         </p:txBody>
       </p:sp>
@@ -10901,8 +11075,6 @@
       </a:bgFillStyleLst>
     </a:fmtScheme>
   </a:themeElements>
-  <a:objectDefaults/>
-  <a:extraClrSchemeLst/>
   <a:extLst>
     <a:ext uri="{05A4C25C-085E-4340-85A3-A5531E510DB2}">
       <thm15:themeFamily xmlns:thm15="http://schemas.microsoft.com/office/thememl/2012/main" name="Office Theme" id="{62F939B6-93AF-4DB8-9C6B-D6C7DFDC589F}" vid="{4A3C46E8-61CC-4603-A589-7422A47A8E4A}"/>
